--- a/EWPE_enhancements.pptx
+++ b/EWPE_enhancements.pptx
@@ -5,10 +5,10 @@
     <p:sldMasterId id="2147483684" r:id="rId4"/>
   </p:sldMasterIdLst>
   <p:notesMasterIdLst>
-    <p:notesMasterId r:id="rId13"/>
+    <p:notesMasterId r:id="rId14"/>
   </p:notesMasterIdLst>
   <p:handoutMasterIdLst>
-    <p:handoutMasterId r:id="rId14"/>
+    <p:handoutMasterId r:id="rId15"/>
   </p:handoutMasterIdLst>
   <p:sldIdLst>
     <p:sldId id="257" r:id="rId5"/>
@@ -17,8 +17,9 @@
     <p:sldId id="392" r:id="rId8"/>
     <p:sldId id="393" r:id="rId9"/>
     <p:sldId id="394" r:id="rId10"/>
-    <p:sldId id="395" r:id="rId11"/>
-    <p:sldId id="391" r:id="rId12"/>
+    <p:sldId id="396" r:id="rId11"/>
+    <p:sldId id="395" r:id="rId12"/>
+    <p:sldId id="391" r:id="rId13"/>
   </p:sldIdLst>
   <p:sldSz cx="12192000" cy="6858000"/>
   <p:notesSz cx="6858000" cy="9144000"/>
@@ -233,7 +234,7 @@
           <a:p>
             <a:fld id="{C17F2C1D-F243-42AB-ADF2-E7CB4E04900E}" type="datetimeFigureOut">
               <a:rPr lang="en-US" smtClean="0"/>
-              <a:t>6/20/2022</a:t>
+              <a:t>6/22/2022</a:t>
             </a:fld>
             <a:endParaRPr lang="en-US"/>
           </a:p>
@@ -410,7 +411,7 @@
           <a:p>
             <a:fld id="{020CE34E-5667-4A32-A6BA-10C7A552BC63}" type="datetimeFigureOut">
               <a:rPr lang="en-US" smtClean="0"/>
-              <a:t>6/20/2022</a:t>
+              <a:t>6/22/2022</a:t>
             </a:fld>
             <a:endParaRPr lang="en-US"/>
           </a:p>
@@ -1163,6 +1164,90 @@
             <a:fld id="{1983A999-5E0E-42CA-8400-604AE921FF7C}" type="slidenum">
               <a:rPr lang="en-US" smtClean="0"/>
               <a:t>7</a:t>
+            </a:fld>
+            <a:endParaRPr lang="en-US"/>
+          </a:p>
+        </p:txBody>
+      </p:sp>
+    </p:spTree>
+    <p:extLst>
+      <p:ext uri="{BB962C8B-B14F-4D97-AF65-F5344CB8AC3E}">
+        <p14:creationId xmlns:p14="http://schemas.microsoft.com/office/powerpoint/2010/main" val="2527029019"/>
+      </p:ext>
+    </p:extLst>
+  </p:cSld>
+  <p:clrMapOvr>
+    <a:masterClrMapping/>
+  </p:clrMapOvr>
+</p:notes>
+</file>
+
+<file path=ppt/notesSlides/notesSlide7.xml><?xml version="1.0" encoding="utf-8"?>
+<p:notes xmlns:a="http://schemas.openxmlformats.org/drawingml/2006/main" xmlns:r="http://schemas.openxmlformats.org/officeDocument/2006/relationships" xmlns:p="http://schemas.openxmlformats.org/presentationml/2006/main">
+  <p:cSld>
+    <p:spTree>
+      <p:nvGrpSpPr>
+        <p:cNvPr id="1" name=""/>
+        <p:cNvGrpSpPr/>
+        <p:nvPr/>
+      </p:nvGrpSpPr>
+      <p:grpSpPr>
+        <a:xfrm>
+          <a:off x="0" y="0"/>
+          <a:ext cx="0" cy="0"/>
+          <a:chOff x="0" y="0"/>
+          <a:chExt cx="0" cy="0"/>
+        </a:xfrm>
+      </p:grpSpPr>
+      <p:sp>
+        <p:nvSpPr>
+          <p:cNvPr id="2" name="Slide Image Placeholder 1"/>
+          <p:cNvSpPr>
+            <a:spLocks noGrp="1" noRot="1" noChangeAspect="1"/>
+          </p:cNvSpPr>
+          <p:nvPr>
+            <p:ph type="sldImg"/>
+          </p:nvPr>
+        </p:nvSpPr>
+        <p:spPr/>
+      </p:sp>
+      <p:sp>
+        <p:nvSpPr>
+          <p:cNvPr id="3" name="Notes Placeholder 2"/>
+          <p:cNvSpPr>
+            <a:spLocks noGrp="1"/>
+          </p:cNvSpPr>
+          <p:nvPr>
+            <p:ph type="body" idx="1"/>
+          </p:nvPr>
+        </p:nvSpPr>
+        <p:spPr/>
+        <p:txBody>
+          <a:bodyPr/>
+          <a:lstStyle/>
+          <a:p>
+            <a:endParaRPr lang="en-US" dirty="0"/>
+          </a:p>
+        </p:txBody>
+      </p:sp>
+      <p:sp>
+        <p:nvSpPr>
+          <p:cNvPr id="4" name="Slide Number Placeholder 3"/>
+          <p:cNvSpPr>
+            <a:spLocks noGrp="1"/>
+          </p:cNvSpPr>
+          <p:nvPr>
+            <p:ph type="sldNum" sz="quarter" idx="5"/>
+          </p:nvPr>
+        </p:nvSpPr>
+        <p:spPr/>
+        <p:txBody>
+          <a:bodyPr/>
+          <a:lstStyle/>
+          <a:p>
+            <a:fld id="{1983A999-5E0E-42CA-8400-604AE921FF7C}" type="slidenum">
+              <a:rPr lang="en-US" smtClean="0"/>
+              <a:t>8</a:t>
             </a:fld>
             <a:endParaRPr lang="en-US"/>
           </a:p>
@@ -18794,13 +18879,13 @@
         </p:nvSpPr>
         <p:spPr>
           <a:xfrm>
-            <a:off x="1" y="115410"/>
-            <a:ext cx="4766440" cy="3420099"/>
+            <a:off x="0" y="115410"/>
+            <a:ext cx="6960093" cy="3392797"/>
           </a:xfrm>
         </p:spPr>
         <p:txBody>
           <a:bodyPr vert="horz" wrap="square" lIns="0" tIns="0" rIns="0" bIns="0" rtlCol="0" anchor="b" anchorCtr="0">
-            <a:normAutofit fontScale="90000"/>
+            <a:normAutofit/>
           </a:bodyPr>
           <a:lstStyle/>
           <a:p>
@@ -18865,12 +18950,12 @@
         <p:spPr>
           <a:xfrm>
             <a:off x="62145" y="3705103"/>
-            <a:ext cx="4704296" cy="2387723"/>
+            <a:ext cx="6525086" cy="2387723"/>
           </a:xfrm>
         </p:spPr>
         <p:txBody>
           <a:bodyPr vert="horz" wrap="square" lIns="0" tIns="0" rIns="0" bIns="0" rtlCol="0">
-            <a:normAutofit fontScale="92500" lnSpcReduction="20000"/>
+            <a:normAutofit fontScale="92500"/>
           </a:bodyPr>
           <a:lstStyle/>
           <a:p>
@@ -19004,36 +19089,6 @@
           </a:p>
         </p:txBody>
       </p:sp>
-      <p:pic>
-        <p:nvPicPr>
-          <p:cNvPr id="6" name="Picture 5" descr="Graphical user interface, application&#10;&#10;Description automatically generated">
-            <a:extLst>
-              <a:ext uri="{FF2B5EF4-FFF2-40B4-BE49-F238E27FC236}">
-                <a16:creationId xmlns:a16="http://schemas.microsoft.com/office/drawing/2014/main" id="{6F3EED80-C0C5-8658-2293-CAE52FDBC859}"/>
-              </a:ext>
-            </a:extLst>
-          </p:cNvPr>
-          <p:cNvPicPr>
-            <a:picLocks noChangeAspect="1"/>
-          </p:cNvPicPr>
-          <p:nvPr/>
-        </p:nvPicPr>
-        <p:blipFill>
-          <a:blip r:embed="rId4"/>
-          <a:stretch>
-            <a:fillRect/>
-          </a:stretch>
-        </p:blipFill>
-        <p:spPr>
-          <a:xfrm>
-            <a:off x="4813218" y="-7"/>
-            <a:ext cx="7425559" cy="6858000"/>
-          </a:xfrm>
-          <a:prstGeom prst="rect">
-            <a:avLst/>
-          </a:prstGeom>
-        </p:spPr>
-      </p:pic>
     </p:spTree>
     <p:extLst>
       <p:ext uri="{BB962C8B-B14F-4D97-AF65-F5344CB8AC3E}">
@@ -20144,6 +20199,1173 @@
       </p:sp>
       <p:sp>
         <p:nvSpPr>
+          <p:cNvPr id="4" name="Slide Number Placeholder 3">
+            <a:extLst>
+              <a:ext uri="{FF2B5EF4-FFF2-40B4-BE49-F238E27FC236}">
+                <a16:creationId xmlns:a16="http://schemas.microsoft.com/office/drawing/2014/main" id="{E1E7D98D-6710-41D2-B258-E1A1059D29F8}"/>
+              </a:ext>
+            </a:extLst>
+          </p:cNvPr>
+          <p:cNvSpPr>
+            <a:spLocks noGrp="1"/>
+          </p:cNvSpPr>
+          <p:nvPr>
+            <p:ph type="sldNum" sz="quarter" idx="12"/>
+          </p:nvPr>
+        </p:nvSpPr>
+        <p:spPr/>
+        <p:txBody>
+          <a:bodyPr/>
+          <a:lstStyle/>
+          <a:p>
+            <a:fld id="{DBA1B0FB-D917-4C8C-928F-313BD683BF39}" type="slidenum">
+              <a:rPr lang="en-US" smtClean="0"/>
+              <a:t>7</a:t>
+            </a:fld>
+            <a:endParaRPr lang="en-US"/>
+          </a:p>
+        </p:txBody>
+      </p:sp>
+      <p:pic>
+        <p:nvPicPr>
+          <p:cNvPr id="5" name="Picture 4" descr="Graphical user interface, application&#10;&#10;Description automatically generated">
+            <a:extLst>
+              <a:ext uri="{FF2B5EF4-FFF2-40B4-BE49-F238E27FC236}">
+                <a16:creationId xmlns:a16="http://schemas.microsoft.com/office/drawing/2014/main" id="{547CEC34-420A-F11E-8F0D-4C536E4010E7}"/>
+              </a:ext>
+            </a:extLst>
+          </p:cNvPr>
+          <p:cNvPicPr>
+            <a:picLocks noChangeAspect="1"/>
+          </p:cNvPicPr>
+          <p:nvPr/>
+        </p:nvPicPr>
+        <p:blipFill>
+          <a:blip r:embed="rId4"/>
+          <a:stretch>
+            <a:fillRect/>
+          </a:stretch>
+        </p:blipFill>
+        <p:spPr>
+          <a:xfrm>
+            <a:off x="993865" y="20222"/>
+            <a:ext cx="10168758" cy="6858000"/>
+          </a:xfrm>
+          <a:prstGeom prst="rect">
+            <a:avLst/>
+          </a:prstGeom>
+        </p:spPr>
+      </p:pic>
+    </p:spTree>
+    <p:extLst>
+      <p:ext uri="{BB962C8B-B14F-4D97-AF65-F5344CB8AC3E}">
+        <p14:creationId xmlns:p14="http://schemas.microsoft.com/office/powerpoint/2010/main" val="687515186"/>
+      </p:ext>
+    </p:extLst>
+  </p:cSld>
+  <p:clrMapOvr>
+    <a:masterClrMapping/>
+  </p:clrMapOvr>
+</p:sld>
+</file>
+
+<file path=ppt/slides/slide8.xml><?xml version="1.0" encoding="utf-8"?>
+<p:sld xmlns:a="http://schemas.openxmlformats.org/drawingml/2006/main" xmlns:r="http://schemas.openxmlformats.org/officeDocument/2006/relationships" xmlns:p="http://schemas.openxmlformats.org/presentationml/2006/main">
+  <p:cSld>
+    <p:bg>
+      <p:bgPr>
+        <a:solidFill>
+          <a:schemeClr val="bg2"/>
+        </a:solidFill>
+        <a:effectLst/>
+      </p:bgPr>
+    </p:bg>
+    <p:spTree>
+      <p:nvGrpSpPr>
+        <p:cNvPr id="1" name=""/>
+        <p:cNvGrpSpPr/>
+        <p:nvPr/>
+      </p:nvGrpSpPr>
+      <p:grpSpPr>
+        <a:xfrm>
+          <a:off x="0" y="0"/>
+          <a:ext cx="0" cy="0"/>
+          <a:chOff x="0" y="0"/>
+          <a:chExt cx="0" cy="0"/>
+        </a:xfrm>
+      </p:grpSpPr>
+      <p:sp>
+        <p:nvSpPr>
+          <p:cNvPr id="34" name="Freeform: Shape 33">
+            <a:extLst>
+              <a:ext uri="{FF2B5EF4-FFF2-40B4-BE49-F238E27FC236}">
+                <a16:creationId xmlns:a16="http://schemas.microsoft.com/office/drawing/2014/main" id="{82184FF4-7029-4ED7-813A-192E60608764}"/>
+              </a:ext>
+              <a:ext uri="{C183D7F6-B498-43B3-948B-1728B52AA6E4}">
+                <adec:decorative xmlns:adec="http://schemas.microsoft.com/office/drawing/2017/decorative" val="1"/>
+              </a:ext>
+            </a:extLst>
+          </p:cNvPr>
+          <p:cNvSpPr>
+            <a:spLocks noGrp="1" noRot="1" noChangeAspect="1" noMove="1" noResize="1" noEditPoints="1" noAdjustHandles="1" noChangeArrowheads="1" noChangeShapeType="1" noTextEdit="1"/>
+          </p:cNvSpPr>
+          <p:nvPr>
+            <p:extLst>
+              <p:ext uri="{386F3935-93C4-4BCD-93E2-E3B085C9AB24}">
+                <p16:designElem xmlns:p16="http://schemas.microsoft.com/office/powerpoint/2015/main" val="1"/>
+              </p:ext>
+            </p:extLst>
+          </p:nvPr>
+        </p:nvSpPr>
+        <p:spPr>
+          <a:xfrm rot="2700000">
+            <a:off x="612445" y="481888"/>
+            <a:ext cx="1080000" cy="1262947"/>
+          </a:xfrm>
+          <a:custGeom>
+            <a:avLst/>
+            <a:gdLst/>
+            <a:ahLst/>
+            <a:cxnLst/>
+            <a:rect l="l" t="t" r="r" b="b"/>
+            <a:pathLst>
+              <a:path w="1080000" h="1262947">
+                <a:moveTo>
+                  <a:pt x="540000" y="0"/>
+                </a:moveTo>
+                <a:lnTo>
+                  <a:pt x="1064374" y="931034"/>
+                </a:lnTo>
+                <a:lnTo>
+                  <a:pt x="1069029" y="938533"/>
+                </a:lnTo>
+                <a:cubicBezTo>
+                  <a:pt x="1076223" y="956109"/>
+                  <a:pt x="1080000" y="974307"/>
+                  <a:pt x="1080000" y="992947"/>
+                </a:cubicBezTo>
+                <a:cubicBezTo>
+                  <a:pt x="1080000" y="1142064"/>
+                  <a:pt x="838234" y="1262947"/>
+                  <a:pt x="540000" y="1262947"/>
+                </a:cubicBezTo>
+                <a:cubicBezTo>
+                  <a:pt x="241766" y="1262947"/>
+                  <a:pt x="0" y="1142064"/>
+                  <a:pt x="0" y="992947"/>
+                </a:cubicBezTo>
+                <a:cubicBezTo>
+                  <a:pt x="0" y="974307"/>
+                  <a:pt x="3778" y="956109"/>
+                  <a:pt x="10971" y="938533"/>
+                </a:cubicBezTo>
+                <a:lnTo>
+                  <a:pt x="15626" y="931034"/>
+                </a:lnTo>
+                <a:lnTo>
+                  <a:pt x="540000" y="0"/>
+                </a:lnTo>
+                <a:close/>
+              </a:path>
+            </a:pathLst>
+          </a:custGeom>
+          <a:gradFill>
+            <a:gsLst>
+              <a:gs pos="60000">
+                <a:schemeClr val="bg2">
+                  <a:lumMod val="90000"/>
+                  <a:lumOff val="10000"/>
+                </a:schemeClr>
+              </a:gs>
+              <a:gs pos="30000">
+                <a:schemeClr val="bg2">
+                  <a:lumMod val="90000"/>
+                  <a:lumOff val="10000"/>
+                </a:schemeClr>
+              </a:gs>
+              <a:gs pos="40000">
+                <a:schemeClr val="bg2">
+                  <a:lumMod val="75000"/>
+                  <a:lumOff val="25000"/>
+                </a:schemeClr>
+              </a:gs>
+              <a:gs pos="100000">
+                <a:schemeClr val="bg2"/>
+              </a:gs>
+            </a:gsLst>
+            <a:lin ang="600000" scaled="0"/>
+          </a:gradFill>
+          <a:ln>
+            <a:noFill/>
+          </a:ln>
+          <a:effectLst>
+            <a:innerShdw blurRad="254000" dist="101600" dir="2700000">
+              <a:schemeClr val="accent1">
+                <a:lumMod val="60000"/>
+                <a:lumOff val="40000"/>
+                <a:alpha val="40000"/>
+              </a:schemeClr>
+            </a:innerShdw>
+          </a:effectLst>
+        </p:spPr>
+        <p:style>
+          <a:lnRef idx="2">
+            <a:schemeClr val="accent1">
+              <a:shade val="50000"/>
+            </a:schemeClr>
+          </a:lnRef>
+          <a:fillRef idx="1">
+            <a:schemeClr val="accent1"/>
+          </a:fillRef>
+          <a:effectRef idx="0">
+            <a:schemeClr val="accent1"/>
+          </a:effectRef>
+          <a:fontRef idx="minor">
+            <a:schemeClr val="lt1"/>
+          </a:fontRef>
+        </p:style>
+        <p:txBody>
+          <a:bodyPr rot="0" spcFirstLastPara="0" vertOverflow="overflow" horzOverflow="overflow" vert="horz" wrap="square" lIns="91440" tIns="45720" rIns="91440" bIns="45720" numCol="1" spcCol="0" rtlCol="0" fromWordArt="0" anchor="ctr" anchorCtr="0" forceAA="0" compatLnSpc="1">
+            <a:prstTxWarp prst="textNoShape">
+              <a:avLst/>
+            </a:prstTxWarp>
+            <a:noAutofit/>
+          </a:bodyPr>
+          <a:lstStyle/>
+          <a:p>
+            <a:pPr algn="ctr"/>
+            <a:endParaRPr lang="en-US"/>
+          </a:p>
+        </p:txBody>
+      </p:sp>
+      <p:sp>
+        <p:nvSpPr>
+          <p:cNvPr id="36" name="Oval 35">
+            <a:extLst>
+              <a:ext uri="{FF2B5EF4-FFF2-40B4-BE49-F238E27FC236}">
+                <a16:creationId xmlns:a16="http://schemas.microsoft.com/office/drawing/2014/main" id="{AAA7AB09-557C-41AD-9113-FF9F68FA1035}"/>
+              </a:ext>
+              <a:ext uri="{C183D7F6-B498-43B3-948B-1728B52AA6E4}">
+                <adec:decorative xmlns:adec="http://schemas.microsoft.com/office/drawing/2017/decorative" val="1"/>
+              </a:ext>
+            </a:extLst>
+          </p:cNvPr>
+          <p:cNvSpPr>
+            <a:spLocks noGrp="1" noRot="1" noChangeAspect="1" noMove="1" noResize="1" noEditPoints="1" noAdjustHandles="1" noChangeArrowheads="1" noChangeShapeType="1" noTextEdit="1"/>
+          </p:cNvSpPr>
+          <p:nvPr>
+            <p:extLst>
+              <p:ext uri="{386F3935-93C4-4BCD-93E2-E3B085C9AB24}">
+                <p16:designElem xmlns:p16="http://schemas.microsoft.com/office/powerpoint/2015/main" val="1"/>
+              </p:ext>
+            </p:extLst>
+          </p:nvPr>
+        </p:nvSpPr>
+        <p:spPr>
+          <a:xfrm rot="8100000">
+            <a:off x="626845" y="828962"/>
+            <a:ext cx="540000" cy="1080000"/>
+          </a:xfrm>
+          <a:prstGeom prst="ellipse">
+            <a:avLst/>
+          </a:prstGeom>
+          <a:gradFill>
+            <a:gsLst>
+              <a:gs pos="100000">
+                <a:schemeClr val="bg2">
+                  <a:lumMod val="90000"/>
+                  <a:lumOff val="10000"/>
+                </a:schemeClr>
+              </a:gs>
+              <a:gs pos="50000">
+                <a:schemeClr val="bg2">
+                  <a:lumMod val="95000"/>
+                  <a:lumOff val="5000"/>
+                </a:schemeClr>
+              </a:gs>
+            </a:gsLst>
+            <a:lin ang="5400000" scaled="0"/>
+          </a:gradFill>
+          <a:ln>
+            <a:noFill/>
+          </a:ln>
+          <a:effectLst>
+            <a:innerShdw blurRad="1270000" dist="2540000">
+              <a:schemeClr val="accent1">
+                <a:lumMod val="60000"/>
+                <a:lumOff val="40000"/>
+                <a:alpha val="0"/>
+              </a:schemeClr>
+            </a:innerShdw>
+          </a:effectLst>
+        </p:spPr>
+        <p:style>
+          <a:lnRef idx="2">
+            <a:schemeClr val="accent1">
+              <a:shade val="50000"/>
+            </a:schemeClr>
+          </a:lnRef>
+          <a:fillRef idx="1">
+            <a:schemeClr val="accent1"/>
+          </a:fillRef>
+          <a:effectRef idx="0">
+            <a:schemeClr val="accent1"/>
+          </a:effectRef>
+          <a:fontRef idx="minor">
+            <a:schemeClr val="lt1"/>
+          </a:fontRef>
+        </p:style>
+        <p:txBody>
+          <a:bodyPr rot="0" spcFirstLastPara="0" vertOverflow="overflow" horzOverflow="overflow" vert="horz" wrap="square" lIns="91440" tIns="45720" rIns="91440" bIns="45720" numCol="1" spcCol="0" rtlCol="0" fromWordArt="0" anchor="ctr" anchorCtr="0" forceAA="0" compatLnSpc="1">
+            <a:prstTxWarp prst="textNoShape">
+              <a:avLst/>
+            </a:prstTxWarp>
+            <a:noAutofit/>
+          </a:bodyPr>
+          <a:lstStyle/>
+          <a:p>
+            <a:pPr algn="ctr"/>
+            <a:endParaRPr lang="en-US"/>
+          </a:p>
+        </p:txBody>
+      </p:sp>
+      <p:sp>
+        <p:nvSpPr>
+          <p:cNvPr id="38" name="Oval 37">
+            <a:extLst>
+              <a:ext uri="{FF2B5EF4-FFF2-40B4-BE49-F238E27FC236}">
+                <a16:creationId xmlns:a16="http://schemas.microsoft.com/office/drawing/2014/main" id="{EF99ECAA-1F11-4937-BBA6-51935AB44C9D}"/>
+              </a:ext>
+              <a:ext uri="{C183D7F6-B498-43B3-948B-1728B52AA6E4}">
+                <adec:decorative xmlns:adec="http://schemas.microsoft.com/office/drawing/2017/decorative" val="1"/>
+              </a:ext>
+            </a:extLst>
+          </p:cNvPr>
+          <p:cNvSpPr>
+            <a:spLocks noGrp="1" noRot="1" noChangeAspect="1" noMove="1" noResize="1" noEditPoints="1" noAdjustHandles="1" noChangeArrowheads="1" noChangeShapeType="1" noTextEdit="1"/>
+          </p:cNvSpPr>
+          <p:nvPr>
+            <p:extLst>
+              <p:ext uri="{386F3935-93C4-4BCD-93E2-E3B085C9AB24}">
+                <p16:designElem xmlns:p16="http://schemas.microsoft.com/office/powerpoint/2015/main" val="1"/>
+              </p:ext>
+            </p:extLst>
+          </p:nvPr>
+        </p:nvSpPr>
+        <p:spPr>
+          <a:xfrm>
+            <a:off x="1800802" y="2472855"/>
+            <a:ext cx="360000" cy="360000"/>
+          </a:xfrm>
+          <a:prstGeom prst="ellipse">
+            <a:avLst/>
+          </a:prstGeom>
+          <a:gradFill flip="none" rotWithShape="1">
+            <a:gsLst>
+              <a:gs pos="100000">
+                <a:schemeClr val="bg2">
+                  <a:lumMod val="50000"/>
+                  <a:lumOff val="50000"/>
+                </a:schemeClr>
+              </a:gs>
+              <a:gs pos="60000">
+                <a:schemeClr val="bg2"/>
+              </a:gs>
+            </a:gsLst>
+            <a:path path="circle">
+              <a:fillToRect l="100000" b="100000"/>
+            </a:path>
+            <a:tileRect t="-100000" r="-100000"/>
+          </a:gradFill>
+          <a:ln>
+            <a:noFill/>
+          </a:ln>
+          <a:effectLst>
+            <a:innerShdw blurRad="127000" dist="63500" dir="2700000">
+              <a:schemeClr val="accent1">
+                <a:lumMod val="60000"/>
+                <a:lumOff val="40000"/>
+                <a:alpha val="20000"/>
+              </a:schemeClr>
+            </a:innerShdw>
+            <a:softEdge rad="0"/>
+          </a:effectLst>
+        </p:spPr>
+        <p:style>
+          <a:lnRef idx="2">
+            <a:schemeClr val="accent1">
+              <a:shade val="50000"/>
+            </a:schemeClr>
+          </a:lnRef>
+          <a:fillRef idx="1">
+            <a:schemeClr val="accent1"/>
+          </a:fillRef>
+          <a:effectRef idx="0">
+            <a:schemeClr val="accent1"/>
+          </a:effectRef>
+          <a:fontRef idx="minor">
+            <a:schemeClr val="lt1"/>
+          </a:fontRef>
+        </p:style>
+        <p:txBody>
+          <a:bodyPr rot="0" spcFirstLastPara="0" vertOverflow="overflow" horzOverflow="overflow" vert="horz" wrap="square" lIns="91440" tIns="45720" rIns="91440" bIns="45720" numCol="1" spcCol="0" rtlCol="0" fromWordArt="0" anchor="ctr" anchorCtr="0" forceAA="0" compatLnSpc="1">
+            <a:prstTxWarp prst="textNoShape">
+              <a:avLst/>
+            </a:prstTxWarp>
+            <a:noAutofit/>
+          </a:bodyPr>
+          <a:lstStyle/>
+          <a:p>
+            <a:pPr algn="ctr"/>
+            <a:endParaRPr lang="en-US"/>
+          </a:p>
+        </p:txBody>
+      </p:sp>
+      <p:grpSp>
+        <p:nvGrpSpPr>
+          <p:cNvPr id="40" name="Group 39">
+            <a:extLst>
+              <a:ext uri="{FF2B5EF4-FFF2-40B4-BE49-F238E27FC236}">
+                <a16:creationId xmlns:a16="http://schemas.microsoft.com/office/drawing/2014/main" id="{79DE9FAB-6BBA-4CFE-B67D-77B47F01ECA4}"/>
+              </a:ext>
+              <a:ext uri="{C183D7F6-B498-43B3-948B-1728B52AA6E4}">
+                <adec:decorative xmlns:adec="http://schemas.microsoft.com/office/drawing/2017/decorative" val="1"/>
+              </a:ext>
+            </a:extLst>
+          </p:cNvPr>
+          <p:cNvGrpSpPr>
+            <a:grpSpLocks noGrp="1" noUngrp="1" noRot="1" noChangeAspect="1" noMove="1" noResize="1"/>
+          </p:cNvGrpSpPr>
+          <p:nvPr>
+            <p:extLst>
+              <p:ext uri="{386F3935-93C4-4BCD-93E2-E3B085C9AB24}">
+                <p16:designElem xmlns:p16="http://schemas.microsoft.com/office/powerpoint/2015/main" val="1"/>
+              </p:ext>
+            </p:extLst>
+          </p:nvPr>
+        </p:nvGrpSpPr>
+        <p:grpSpPr>
+          <a:xfrm>
+            <a:off x="1329952" y="4524379"/>
+            <a:ext cx="1980001" cy="1363916"/>
+            <a:chOff x="4879602" y="3781429"/>
+            <a:chExt cx="1980001" cy="1363916"/>
+          </a:xfrm>
+        </p:grpSpPr>
+        <p:sp>
+          <p:nvSpPr>
+            <p:cNvPr id="41" name="Freeform: Shape 40">
+              <a:extLst>
+                <a:ext uri="{FF2B5EF4-FFF2-40B4-BE49-F238E27FC236}">
+                  <a16:creationId xmlns:a16="http://schemas.microsoft.com/office/drawing/2014/main" id="{79FAC916-D9BB-4794-81B4-7C47C67E850D}"/>
+                </a:ext>
+                <a:ext uri="{C183D7F6-B498-43B3-948B-1728B52AA6E4}">
+                  <adec:decorative xmlns:adec="http://schemas.microsoft.com/office/drawing/2017/decorative" val="1"/>
+                </a:ext>
+              </a:extLst>
+            </p:cNvPr>
+            <p:cNvSpPr>
+              <a:spLocks noChangeAspect="1"/>
+            </p:cNvSpPr>
+            <p:nvPr>
+              <p:extLst>
+                <p:ext uri="{386F3935-93C4-4BCD-93E2-E3B085C9AB24}">
+                  <p16:designElem xmlns:p16="http://schemas.microsoft.com/office/powerpoint/2015/main" val="1"/>
+                </p:ext>
+              </p:extLst>
+            </p:nvPr>
+          </p:nvSpPr>
+          <p:spPr>
+            <a:xfrm rot="18900000" flipV="1">
+              <a:off x="5005634" y="4191206"/>
+              <a:ext cx="1853969" cy="926985"/>
+            </a:xfrm>
+            <a:custGeom>
+              <a:avLst/>
+              <a:gdLst>
+                <a:gd name="connsiteX0" fmla="*/ 1329373 w 2658746"/>
+                <a:gd name="connsiteY0" fmla="*/ 0 h 1329373"/>
+                <a:gd name="connsiteX1" fmla="*/ 2658746 w 2658746"/>
+                <a:gd name="connsiteY1" fmla="*/ 1329373 h 1329373"/>
+                <a:gd name="connsiteX2" fmla="*/ 1994059 w 2658746"/>
+                <a:gd name="connsiteY2" fmla="*/ 1329373 h 1329373"/>
+                <a:gd name="connsiteX3" fmla="*/ 1329373 w 2658746"/>
+                <a:gd name="connsiteY3" fmla="*/ 664687 h 1329373"/>
+                <a:gd name="connsiteX4" fmla="*/ 664687 w 2658746"/>
+                <a:gd name="connsiteY4" fmla="*/ 1329373 h 1329373"/>
+                <a:gd name="connsiteX5" fmla="*/ 0 w 2658746"/>
+                <a:gd name="connsiteY5" fmla="*/ 1329373 h 1329373"/>
+                <a:gd name="connsiteX6" fmla="*/ 1329373 w 2658746"/>
+                <a:gd name="connsiteY6" fmla="*/ 0 h 1329373"/>
+              </a:gdLst>
+              <a:ahLst/>
+              <a:cxnLst>
+                <a:cxn ang="0">
+                  <a:pos x="connsiteX0" y="connsiteY0"/>
+                </a:cxn>
+                <a:cxn ang="0">
+                  <a:pos x="connsiteX1" y="connsiteY1"/>
+                </a:cxn>
+                <a:cxn ang="0">
+                  <a:pos x="connsiteX2" y="connsiteY2"/>
+                </a:cxn>
+                <a:cxn ang="0">
+                  <a:pos x="connsiteX3" y="connsiteY3"/>
+                </a:cxn>
+                <a:cxn ang="0">
+                  <a:pos x="connsiteX4" y="connsiteY4"/>
+                </a:cxn>
+                <a:cxn ang="0">
+                  <a:pos x="connsiteX5" y="connsiteY5"/>
+                </a:cxn>
+                <a:cxn ang="0">
+                  <a:pos x="connsiteX6" y="connsiteY6"/>
+                </a:cxn>
+              </a:cxnLst>
+              <a:rect l="l" t="t" r="r" b="b"/>
+              <a:pathLst>
+                <a:path w="2658746" h="1329373">
+                  <a:moveTo>
+                    <a:pt x="1329373" y="0"/>
+                  </a:moveTo>
+                  <a:cubicBezTo>
+                    <a:pt x="2063565" y="0"/>
+                    <a:pt x="2658746" y="595181"/>
+                    <a:pt x="2658746" y="1329373"/>
+                  </a:cubicBezTo>
+                  <a:lnTo>
+                    <a:pt x="1994059" y="1329373"/>
+                  </a:lnTo>
+                  <a:cubicBezTo>
+                    <a:pt x="1994059" y="962277"/>
+                    <a:pt x="1696469" y="664687"/>
+                    <a:pt x="1329373" y="664687"/>
+                  </a:cubicBezTo>
+                  <a:cubicBezTo>
+                    <a:pt x="962277" y="664687"/>
+                    <a:pt x="664687" y="962277"/>
+                    <a:pt x="664687" y="1329373"/>
+                  </a:cubicBezTo>
+                  <a:lnTo>
+                    <a:pt x="0" y="1329373"/>
+                  </a:lnTo>
+                  <a:cubicBezTo>
+                    <a:pt x="0" y="595181"/>
+                    <a:pt x="595181" y="0"/>
+                    <a:pt x="1329373" y="0"/>
+                  </a:cubicBezTo>
+                  <a:close/>
+                </a:path>
+              </a:pathLst>
+            </a:custGeom>
+            <a:solidFill>
+              <a:schemeClr val="bg2"/>
+            </a:solidFill>
+            <a:ln>
+              <a:noFill/>
+            </a:ln>
+            <a:effectLst>
+              <a:innerShdw blurRad="254000" dist="50800" dir="16200000">
+                <a:schemeClr val="accent1">
+                  <a:lumMod val="40000"/>
+                  <a:lumOff val="60000"/>
+                  <a:alpha val="40000"/>
+                </a:schemeClr>
+              </a:innerShdw>
+            </a:effectLst>
+          </p:spPr>
+          <p:style>
+            <a:lnRef idx="2">
+              <a:schemeClr val="accent1">
+                <a:shade val="50000"/>
+              </a:schemeClr>
+            </a:lnRef>
+            <a:fillRef idx="1">
+              <a:schemeClr val="accent1"/>
+            </a:fillRef>
+            <a:effectRef idx="0">
+              <a:schemeClr val="accent1"/>
+            </a:effectRef>
+            <a:fontRef idx="minor">
+              <a:schemeClr val="lt1"/>
+            </a:fontRef>
+          </p:style>
+          <p:txBody>
+            <a:bodyPr rtlCol="0" anchor="ctr"/>
+            <a:lstStyle/>
+            <a:p>
+              <a:pPr algn="ctr"/>
+              <a:endParaRPr lang="en-US"/>
+            </a:p>
+          </p:txBody>
+        </p:sp>
+        <p:sp>
+          <p:nvSpPr>
+            <p:cNvPr id="42" name="Freeform: Shape 41">
+              <a:extLst>
+                <a:ext uri="{FF2B5EF4-FFF2-40B4-BE49-F238E27FC236}">
+                  <a16:creationId xmlns:a16="http://schemas.microsoft.com/office/drawing/2014/main" id="{B5CA2231-7A65-4D16-8400-A210CC41DB73}"/>
+                </a:ext>
+                <a:ext uri="{C183D7F6-B498-43B3-948B-1728B52AA6E4}">
+                  <adec:decorative xmlns:adec="http://schemas.microsoft.com/office/drawing/2017/decorative" val="1"/>
+                </a:ext>
+              </a:extLst>
+            </p:cNvPr>
+            <p:cNvSpPr>
+              <a:spLocks noChangeAspect="1"/>
+            </p:cNvSpPr>
+            <p:nvPr>
+              <p:extLst>
+                <p:ext uri="{386F3935-93C4-4BCD-93E2-E3B085C9AB24}">
+                  <p16:designElem xmlns:p16="http://schemas.microsoft.com/office/powerpoint/2015/main" val="1"/>
+                </p:ext>
+              </p:extLst>
+            </p:nvPr>
+          </p:nvSpPr>
+          <p:spPr>
+            <a:xfrm rot="18900000" flipV="1">
+              <a:off x="4957101" y="4052255"/>
+              <a:ext cx="1853969" cy="1093090"/>
+            </a:xfrm>
+            <a:custGeom>
+              <a:avLst/>
+              <a:gdLst>
+                <a:gd name="connsiteX0" fmla="*/ 1329373 w 2658746"/>
+                <a:gd name="connsiteY0" fmla="*/ 0 h 1329373"/>
+                <a:gd name="connsiteX1" fmla="*/ 2658746 w 2658746"/>
+                <a:gd name="connsiteY1" fmla="*/ 1329373 h 1329373"/>
+                <a:gd name="connsiteX2" fmla="*/ 1994059 w 2658746"/>
+                <a:gd name="connsiteY2" fmla="*/ 1329373 h 1329373"/>
+                <a:gd name="connsiteX3" fmla="*/ 1329373 w 2658746"/>
+                <a:gd name="connsiteY3" fmla="*/ 664687 h 1329373"/>
+                <a:gd name="connsiteX4" fmla="*/ 664687 w 2658746"/>
+                <a:gd name="connsiteY4" fmla="*/ 1329373 h 1329373"/>
+                <a:gd name="connsiteX5" fmla="*/ 0 w 2658746"/>
+                <a:gd name="connsiteY5" fmla="*/ 1329373 h 1329373"/>
+                <a:gd name="connsiteX6" fmla="*/ 1329373 w 2658746"/>
+                <a:gd name="connsiteY6" fmla="*/ 0 h 1329373"/>
+              </a:gdLst>
+              <a:ahLst/>
+              <a:cxnLst>
+                <a:cxn ang="0">
+                  <a:pos x="connsiteX0" y="connsiteY0"/>
+                </a:cxn>
+                <a:cxn ang="0">
+                  <a:pos x="connsiteX1" y="connsiteY1"/>
+                </a:cxn>
+                <a:cxn ang="0">
+                  <a:pos x="connsiteX2" y="connsiteY2"/>
+                </a:cxn>
+                <a:cxn ang="0">
+                  <a:pos x="connsiteX3" y="connsiteY3"/>
+                </a:cxn>
+                <a:cxn ang="0">
+                  <a:pos x="connsiteX4" y="connsiteY4"/>
+                </a:cxn>
+                <a:cxn ang="0">
+                  <a:pos x="connsiteX5" y="connsiteY5"/>
+                </a:cxn>
+                <a:cxn ang="0">
+                  <a:pos x="connsiteX6" y="connsiteY6"/>
+                </a:cxn>
+              </a:cxnLst>
+              <a:rect l="l" t="t" r="r" b="b"/>
+              <a:pathLst>
+                <a:path w="2658746" h="1329373">
+                  <a:moveTo>
+                    <a:pt x="1329373" y="0"/>
+                  </a:moveTo>
+                  <a:cubicBezTo>
+                    <a:pt x="2063565" y="0"/>
+                    <a:pt x="2658746" y="595181"/>
+                    <a:pt x="2658746" y="1329373"/>
+                  </a:cubicBezTo>
+                  <a:lnTo>
+                    <a:pt x="1994059" y="1329373"/>
+                  </a:lnTo>
+                  <a:cubicBezTo>
+                    <a:pt x="1994059" y="962277"/>
+                    <a:pt x="1696469" y="664687"/>
+                    <a:pt x="1329373" y="664687"/>
+                  </a:cubicBezTo>
+                  <a:cubicBezTo>
+                    <a:pt x="962277" y="664687"/>
+                    <a:pt x="664687" y="962277"/>
+                    <a:pt x="664687" y="1329373"/>
+                  </a:cubicBezTo>
+                  <a:lnTo>
+                    <a:pt x="0" y="1329373"/>
+                  </a:lnTo>
+                  <a:cubicBezTo>
+                    <a:pt x="0" y="595181"/>
+                    <a:pt x="595181" y="0"/>
+                    <a:pt x="1329373" y="0"/>
+                  </a:cubicBezTo>
+                  <a:close/>
+                </a:path>
+              </a:pathLst>
+            </a:custGeom>
+            <a:solidFill>
+              <a:schemeClr val="bg2">
+                <a:lumMod val="50000"/>
+                <a:lumOff val="50000"/>
+                <a:alpha val="40000"/>
+              </a:schemeClr>
+            </a:solidFill>
+            <a:ln>
+              <a:noFill/>
+            </a:ln>
+            <a:effectLst>
+              <a:softEdge rad="190500"/>
+            </a:effectLst>
+          </p:spPr>
+          <p:style>
+            <a:lnRef idx="2">
+              <a:schemeClr val="accent1">
+                <a:shade val="50000"/>
+              </a:schemeClr>
+            </a:lnRef>
+            <a:fillRef idx="1">
+              <a:schemeClr val="accent1"/>
+            </a:fillRef>
+            <a:effectRef idx="0">
+              <a:schemeClr val="accent1"/>
+            </a:effectRef>
+            <a:fontRef idx="minor">
+              <a:schemeClr val="lt1"/>
+            </a:fontRef>
+          </p:style>
+          <p:txBody>
+            <a:bodyPr rtlCol="0" anchor="ctr"/>
+            <a:lstStyle/>
+            <a:p>
+              <a:pPr algn="ctr"/>
+              <a:endParaRPr lang="en-US">
+                <a:solidFill>
+                  <a:schemeClr val="tx1"/>
+                </a:solidFill>
+              </a:endParaRPr>
+            </a:p>
+          </p:txBody>
+        </p:sp>
+        <p:sp>
+          <p:nvSpPr>
+            <p:cNvPr id="43" name="Oval 42">
+              <a:extLst>
+                <a:ext uri="{FF2B5EF4-FFF2-40B4-BE49-F238E27FC236}">
+                  <a16:creationId xmlns:a16="http://schemas.microsoft.com/office/drawing/2014/main" id="{4B089C8C-B82B-4704-88E2-E857A5E21529}"/>
+                </a:ext>
+                <a:ext uri="{C183D7F6-B498-43B3-948B-1728B52AA6E4}">
+                  <adec:decorative xmlns:adec="http://schemas.microsoft.com/office/drawing/2017/decorative" val="1"/>
+                </a:ext>
+              </a:extLst>
+            </p:cNvPr>
+            <p:cNvSpPr/>
+            <p:nvPr>
+              <p:extLst>
+                <p:ext uri="{386F3935-93C4-4BCD-93E2-E3B085C9AB24}">
+                  <p16:designElem xmlns:p16="http://schemas.microsoft.com/office/powerpoint/2015/main" val="1"/>
+                </p:ext>
+              </p:extLst>
+            </p:nvPr>
+          </p:nvSpPr>
+          <p:spPr>
+            <a:xfrm rot="13500000" flipV="1">
+              <a:off x="6040374" y="3601683"/>
+              <a:ext cx="107098" cy="466589"/>
+            </a:xfrm>
+            <a:prstGeom prst="ellipse">
+              <a:avLst/>
+            </a:prstGeom>
+            <a:solidFill>
+              <a:schemeClr val="bg2">
+                <a:lumMod val="90000"/>
+                <a:lumOff val="10000"/>
+              </a:schemeClr>
+            </a:solidFill>
+            <a:ln>
+              <a:noFill/>
+            </a:ln>
+            <a:effectLst>
+              <a:innerShdw blurRad="63500" dist="2540000">
+                <a:schemeClr val="accent1">
+                  <a:lumMod val="60000"/>
+                  <a:lumOff val="40000"/>
+                  <a:alpha val="0"/>
+                </a:schemeClr>
+              </a:innerShdw>
+            </a:effectLst>
+          </p:spPr>
+          <p:style>
+            <a:lnRef idx="2">
+              <a:schemeClr val="accent1">
+                <a:shade val="50000"/>
+              </a:schemeClr>
+            </a:lnRef>
+            <a:fillRef idx="1">
+              <a:schemeClr val="accent1"/>
+            </a:fillRef>
+            <a:effectRef idx="0">
+              <a:schemeClr val="accent1"/>
+            </a:effectRef>
+            <a:fontRef idx="minor">
+              <a:schemeClr val="lt1"/>
+            </a:fontRef>
+          </p:style>
+          <p:txBody>
+            <a:bodyPr rot="0" spcFirstLastPara="0" vertOverflow="overflow" horzOverflow="overflow" vert="horz" wrap="square" lIns="91440" tIns="45720" rIns="91440" bIns="45720" numCol="1" spcCol="0" rtlCol="0" fromWordArt="0" anchor="ctr" anchorCtr="0" forceAA="0" compatLnSpc="1">
+              <a:prstTxWarp prst="textNoShape">
+                <a:avLst/>
+              </a:prstTxWarp>
+              <a:noAutofit/>
+            </a:bodyPr>
+            <a:lstStyle/>
+            <a:p>
+              <a:pPr algn="ctr"/>
+              <a:endParaRPr lang="en-US"/>
+            </a:p>
+          </p:txBody>
+        </p:sp>
+        <p:sp>
+          <p:nvSpPr>
+            <p:cNvPr id="44" name="Oval 43">
+              <a:extLst>
+                <a:ext uri="{FF2B5EF4-FFF2-40B4-BE49-F238E27FC236}">
+                  <a16:creationId xmlns:a16="http://schemas.microsoft.com/office/drawing/2014/main" id="{434B90C8-5B4D-456E-AD99-80EF748FDD72}"/>
+                </a:ext>
+                <a:ext uri="{C183D7F6-B498-43B3-948B-1728B52AA6E4}">
+                  <adec:decorative xmlns:adec="http://schemas.microsoft.com/office/drawing/2017/decorative" val="1"/>
+                </a:ext>
+              </a:extLst>
+            </p:cNvPr>
+            <p:cNvSpPr/>
+            <p:nvPr>
+              <p:extLst>
+                <p:ext uri="{386F3935-93C4-4BCD-93E2-E3B085C9AB24}">
+                  <p16:designElem xmlns:p16="http://schemas.microsoft.com/office/powerpoint/2015/main" val="1"/>
+                </p:ext>
+              </p:extLst>
+            </p:nvPr>
+          </p:nvSpPr>
+          <p:spPr>
+            <a:xfrm rot="13500000" flipV="1">
+              <a:off x="5059348" y="4582709"/>
+              <a:ext cx="107098" cy="466589"/>
+            </a:xfrm>
+            <a:prstGeom prst="ellipse">
+              <a:avLst/>
+            </a:prstGeom>
+            <a:solidFill>
+              <a:schemeClr val="bg2">
+                <a:lumMod val="90000"/>
+                <a:lumOff val="10000"/>
+              </a:schemeClr>
+            </a:solidFill>
+            <a:ln>
+              <a:noFill/>
+            </a:ln>
+            <a:effectLst>
+              <a:innerShdw blurRad="63500" dist="2540000">
+                <a:schemeClr val="accent1">
+                  <a:lumMod val="60000"/>
+                  <a:lumOff val="40000"/>
+                  <a:alpha val="0"/>
+                </a:schemeClr>
+              </a:innerShdw>
+            </a:effectLst>
+          </p:spPr>
+          <p:style>
+            <a:lnRef idx="2">
+              <a:schemeClr val="accent1">
+                <a:shade val="50000"/>
+              </a:schemeClr>
+            </a:lnRef>
+            <a:fillRef idx="1">
+              <a:schemeClr val="accent1"/>
+            </a:fillRef>
+            <a:effectRef idx="0">
+              <a:schemeClr val="accent1"/>
+            </a:effectRef>
+            <a:fontRef idx="minor">
+              <a:schemeClr val="lt1"/>
+            </a:fontRef>
+          </p:style>
+          <p:txBody>
+            <a:bodyPr rot="0" spcFirstLastPara="0" vertOverflow="overflow" horzOverflow="overflow" vert="horz" wrap="square" lIns="91440" tIns="45720" rIns="91440" bIns="45720" numCol="1" spcCol="0" rtlCol="0" fromWordArt="0" anchor="ctr" anchorCtr="0" forceAA="0" compatLnSpc="1">
+              <a:prstTxWarp prst="textNoShape">
+                <a:avLst/>
+              </a:prstTxWarp>
+              <a:noAutofit/>
+            </a:bodyPr>
+            <a:lstStyle/>
+            <a:p>
+              <a:pPr algn="ctr"/>
+              <a:endParaRPr lang="en-US"/>
+            </a:p>
+          </p:txBody>
+        </p:sp>
+      </p:grpSp>
+      <p:sp useBgFill="1">
+        <p:nvSpPr>
+          <p:cNvPr id="46" name="Rectangle 45">
+            <a:extLst>
+              <a:ext uri="{FF2B5EF4-FFF2-40B4-BE49-F238E27FC236}">
+                <a16:creationId xmlns:a16="http://schemas.microsoft.com/office/drawing/2014/main" id="{1DB043B4-68C6-45B9-82AC-A5800EADB8DB}"/>
+              </a:ext>
+              <a:ext uri="{C183D7F6-B498-43B3-948B-1728B52AA6E4}">
+                <adec:decorative xmlns:adec="http://schemas.microsoft.com/office/drawing/2017/decorative" val="1"/>
+              </a:ext>
+            </a:extLst>
+          </p:cNvPr>
+          <p:cNvSpPr>
+            <a:spLocks noGrp="1" noRot="1" noChangeAspect="1" noMove="1" noResize="1" noEditPoints="1" noAdjustHandles="1" noChangeArrowheads="1" noChangeShapeType="1" noTextEdit="1"/>
+          </p:cNvSpPr>
+          <p:nvPr>
+            <p:extLst>
+              <p:ext uri="{386F3935-93C4-4BCD-93E2-E3B085C9AB24}">
+                <p16:designElem xmlns:p16="http://schemas.microsoft.com/office/powerpoint/2015/main" val="1"/>
+              </p:ext>
+            </p:extLst>
+          </p:nvPr>
+        </p:nvSpPr>
+        <p:spPr>
+          <a:xfrm>
+            <a:off x="0" y="0"/>
+            <a:ext cx="12192000" cy="6858000"/>
+          </a:xfrm>
+          <a:prstGeom prst="rect">
+            <a:avLst/>
+          </a:prstGeom>
+          <a:ln w="12700" cap="flat" cmpd="sng" algn="ctr">
+            <a:noFill/>
+            <a:prstDash val="solid"/>
+            <a:miter lim="800000"/>
+          </a:ln>
+          <a:effectLst/>
+          <a:extLst>
+            <a:ext uri="{91240B29-F687-4F45-9708-019B960494DF}">
+              <a14:hiddenLine xmlns:a14="http://schemas.microsoft.com/office/drawing/2010/main" w="12700" cap="flat" cmpd="sng" algn="ctr">
+                <a:solidFill>
+                  <a:schemeClr val="accent1">
+                    <a:shade val="50000"/>
+                  </a:schemeClr>
+                </a:solidFill>
+                <a:prstDash val="solid"/>
+                <a:miter lim="800000"/>
+              </a14:hiddenLine>
+            </a:ext>
+          </a:extLst>
+        </p:spPr>
+        <p:style>
+          <a:lnRef idx="2">
+            <a:schemeClr val="accent1">
+              <a:shade val="50000"/>
+            </a:schemeClr>
+          </a:lnRef>
+          <a:fillRef idx="1">
+            <a:schemeClr val="accent1"/>
+          </a:fillRef>
+          <a:effectRef idx="0">
+            <a:schemeClr val="accent1"/>
+          </a:effectRef>
+          <a:fontRef idx="minor">
+            <a:schemeClr val="lt1"/>
+          </a:fontRef>
+        </p:style>
+        <p:txBody>
+          <a:bodyPr rtlCol="0" anchor="ctr"/>
+          <a:lstStyle/>
+          <a:p>
+            <a:pPr algn="ctr"/>
+            <a:endParaRPr lang="en-US"/>
+          </a:p>
+        </p:txBody>
+      </p:sp>
+      <p:pic>
+        <p:nvPicPr>
+          <p:cNvPr id="8" name="Picture Placeholder 7" descr="Data Points Digital background">
+            <a:extLst>
+              <a:ext uri="{FF2B5EF4-FFF2-40B4-BE49-F238E27FC236}">
+                <a16:creationId xmlns:a16="http://schemas.microsoft.com/office/drawing/2014/main" id="{5FED7C55-F545-49A1-90FD-D853A25AB453}"/>
+              </a:ext>
+            </a:extLst>
+          </p:cNvPr>
+          <p:cNvPicPr>
+            <a:picLocks noGrp="1" noChangeAspect="1"/>
+          </p:cNvPicPr>
+          <p:nvPr>
+            <p:ph type="pic" sz="quarter" idx="13"/>
+          </p:nvPr>
+        </p:nvPicPr>
+        <p:blipFill>
+          <a:blip r:embed="rId3">
+            <a:extLst>
+              <a:ext uri="{28A0092B-C50C-407E-A947-70E740481C1C}">
+                <a14:useLocalDpi xmlns:a14="http://schemas.microsoft.com/office/drawing/2010/main" val="0"/>
+              </a:ext>
+            </a:extLst>
+          </a:blip>
+          <a:srcRect/>
+          <a:stretch>
+            <a:fillRect/>
+          </a:stretch>
+        </p:blipFill>
+        <p:spPr/>
+      </p:pic>
+      <p:sp>
+        <p:nvSpPr>
+          <p:cNvPr id="48" name="Rectangle 47">
+            <a:extLst>
+              <a:ext uri="{FF2B5EF4-FFF2-40B4-BE49-F238E27FC236}">
+                <a16:creationId xmlns:a16="http://schemas.microsoft.com/office/drawing/2014/main" id="{3C64A91D-E535-4C24-A0E3-96A3810E3FDC}"/>
+              </a:ext>
+              <a:ext uri="{C183D7F6-B498-43B3-948B-1728B52AA6E4}">
+                <adec:decorative xmlns:adec="http://schemas.microsoft.com/office/drawing/2017/decorative" val="1"/>
+              </a:ext>
+            </a:extLst>
+          </p:cNvPr>
+          <p:cNvSpPr>
+            <a:spLocks noGrp="1" noRot="1" noChangeAspect="1" noMove="1" noResize="1" noEditPoints="1" noAdjustHandles="1" noChangeArrowheads="1" noChangeShapeType="1" noTextEdit="1"/>
+          </p:cNvSpPr>
+          <p:nvPr>
+            <p:extLst>
+              <p:ext uri="{386F3935-93C4-4BCD-93E2-E3B085C9AB24}">
+                <p16:designElem xmlns:p16="http://schemas.microsoft.com/office/powerpoint/2015/main" val="1"/>
+              </p:ext>
+            </p:extLst>
+          </p:nvPr>
+        </p:nvSpPr>
+        <p:spPr>
+          <a:xfrm>
+            <a:off x="0" y="5773729"/>
+            <a:ext cx="12192000" cy="1084271"/>
+          </a:xfrm>
+          <a:prstGeom prst="rect">
+            <a:avLst/>
+          </a:prstGeom>
+          <a:gradFill flip="none" rotWithShape="1">
+            <a:gsLst>
+              <a:gs pos="90000">
+                <a:schemeClr val="bg2">
+                  <a:alpha val="60000"/>
+                </a:schemeClr>
+              </a:gs>
+              <a:gs pos="28000">
+                <a:schemeClr val="bg2">
+                  <a:alpha val="0"/>
+                </a:schemeClr>
+              </a:gs>
+            </a:gsLst>
+            <a:lin ang="5400000" scaled="0"/>
+            <a:tileRect/>
+          </a:gradFill>
+          <a:ln>
+            <a:noFill/>
+          </a:ln>
+        </p:spPr>
+        <p:style>
+          <a:lnRef idx="2">
+            <a:schemeClr val="accent1">
+              <a:shade val="50000"/>
+            </a:schemeClr>
+          </a:lnRef>
+          <a:fillRef idx="1">
+            <a:schemeClr val="accent1"/>
+          </a:fillRef>
+          <a:effectRef idx="0">
+            <a:schemeClr val="accent1"/>
+          </a:effectRef>
+          <a:fontRef idx="minor">
+            <a:schemeClr val="lt1"/>
+          </a:fontRef>
+        </p:style>
+        <p:txBody>
+          <a:bodyPr rtlCol="0" anchor="ctr"/>
+          <a:lstStyle/>
+          <a:p>
+            <a:pPr algn="ctr"/>
+            <a:endParaRPr lang="en-US"/>
+          </a:p>
+        </p:txBody>
+      </p:sp>
+      <p:sp>
+        <p:nvSpPr>
+          <p:cNvPr id="50" name="Rectangle 49">
+            <a:extLst>
+              <a:ext uri="{FF2B5EF4-FFF2-40B4-BE49-F238E27FC236}">
+                <a16:creationId xmlns:a16="http://schemas.microsoft.com/office/drawing/2014/main" id="{26FC4867-BA3E-4F8E-AB23-684F34DF3D31}"/>
+              </a:ext>
+              <a:ext uri="{C183D7F6-B498-43B3-948B-1728B52AA6E4}">
+                <adec:decorative xmlns:adec="http://schemas.microsoft.com/office/drawing/2017/decorative" val="1"/>
+              </a:ext>
+            </a:extLst>
+          </p:cNvPr>
+          <p:cNvSpPr>
+            <a:spLocks noGrp="1" noRot="1" noChangeAspect="1" noMove="1" noResize="1" noEditPoints="1" noAdjustHandles="1" noChangeArrowheads="1" noChangeShapeType="1" noTextEdit="1"/>
+          </p:cNvSpPr>
+          <p:nvPr>
+            <p:extLst>
+              <p:ext uri="{386F3935-93C4-4BCD-93E2-E3B085C9AB24}">
+                <p16:designElem xmlns:p16="http://schemas.microsoft.com/office/powerpoint/2015/main" val="1"/>
+              </p:ext>
+            </p:extLst>
+          </p:nvPr>
+        </p:nvSpPr>
+        <p:spPr>
+          <a:xfrm rot="10800000">
+            <a:off x="0" y="-3"/>
+            <a:ext cx="9000000" cy="6857998"/>
+          </a:xfrm>
+          <a:prstGeom prst="rect">
+            <a:avLst/>
+          </a:prstGeom>
+          <a:gradFill flip="none" rotWithShape="1">
+            <a:gsLst>
+              <a:gs pos="50000">
+                <a:schemeClr val="bg2">
+                  <a:alpha val="60000"/>
+                </a:schemeClr>
+              </a:gs>
+              <a:gs pos="0">
+                <a:schemeClr val="bg2">
+                  <a:alpha val="0"/>
+                </a:schemeClr>
+              </a:gs>
+            </a:gsLst>
+            <a:lin ang="0" scaled="0"/>
+            <a:tileRect/>
+          </a:gradFill>
+          <a:ln>
+            <a:noFill/>
+          </a:ln>
+        </p:spPr>
+        <p:style>
+          <a:lnRef idx="2">
+            <a:schemeClr val="accent1">
+              <a:shade val="50000"/>
+            </a:schemeClr>
+          </a:lnRef>
+          <a:fillRef idx="1">
+            <a:schemeClr val="accent1"/>
+          </a:fillRef>
+          <a:effectRef idx="0">
+            <a:schemeClr val="accent1"/>
+          </a:effectRef>
+          <a:fontRef idx="minor">
+            <a:schemeClr val="lt1"/>
+          </a:fontRef>
+        </p:style>
+        <p:txBody>
+          <a:bodyPr rtlCol="0" anchor="ctr"/>
+          <a:lstStyle/>
+          <a:p>
+            <a:pPr algn="ctr"/>
+            <a:endParaRPr lang="en-US"/>
+          </a:p>
+        </p:txBody>
+      </p:sp>
+      <p:sp>
+        <p:nvSpPr>
           <p:cNvPr id="15" name="Title 14">
             <a:extLst>
               <a:ext uri="{FF2B5EF4-FFF2-40B4-BE49-F238E27FC236}">
@@ -20345,7 +21567,7 @@
           <a:p>
             <a:fld id="{DBA1B0FB-D917-4C8C-928F-313BD683BF39}" type="slidenum">
               <a:rPr lang="en-US" smtClean="0"/>
-              <a:t>7</a:t>
+              <a:t>8</a:t>
             </a:fld>
             <a:endParaRPr lang="en-US"/>
           </a:p>
@@ -20394,7 +21616,7 @@
 </p:sld>
 </file>
 
-<file path=ppt/slides/slide8.xml><?xml version="1.0" encoding="utf-8"?>
+<file path=ppt/slides/slide9.xml><?xml version="1.0" encoding="utf-8"?>
 <p:sld xmlns:a="http://schemas.openxmlformats.org/drawingml/2006/main" xmlns:r="http://schemas.openxmlformats.org/officeDocument/2006/relationships" xmlns:p="http://schemas.openxmlformats.org/presentationml/2006/main">
   <p:cSld>
     <p:spTree>
@@ -20618,7 +21840,7 @@
             <a:fld id="{DBA1B0FB-D917-4C8C-928F-313BD683BF39}" type="slidenum">
               <a:rPr lang="en-US" smtClean="0"/>
               <a:pPr/>
-              <a:t>8</a:t>
+              <a:t>9</a:t>
             </a:fld>
             <a:endParaRPr lang="en-US"/>
           </a:p>
